--- a/Data Mining.pptx
+++ b/Data Mining.pptx
@@ -135,6 +135,11 @@
       </a:defRPr>
     </a:lvl9pPr>
   </p:defaultTextStyle>
+  <p:extLst>
+    <p:ext uri="{EFAFB233-063F-42B5-8137-9DF3F51BA10A}">
+      <p15:sldGuideLst xmlns:p15="http://schemas.microsoft.com/office/powerpoint/2012/main"/>
+    </p:ext>
+  </p:extLst>
 </p:presentation>
 </file>
 
@@ -363,7 +368,7 @@
             <a:fld id="{5586B75A-687E-405C-8A0B-8D00578BA2C3}" type="datetimeFigureOut">
               <a:rPr lang="en-US" dirty="0"/>
               <a:pPr/>
-              <a:t>12/21/2018</a:t>
+              <a:t>12/24/2018</a:t>
             </a:fld>
             <a:endParaRPr lang="en-US" dirty="0"/>
           </a:p>
@@ -530,7 +535,7 @@
             <a:fld id="{5586B75A-687E-405C-8A0B-8D00578BA2C3}" type="datetimeFigureOut">
               <a:rPr lang="en-US" dirty="0"/>
               <a:pPr/>
-              <a:t>12/21/2018</a:t>
+              <a:t>12/24/2018</a:t>
             </a:fld>
             <a:endParaRPr lang="en-US" dirty="0"/>
           </a:p>
@@ -707,7 +712,7 @@
             <a:fld id="{5586B75A-687E-405C-8A0B-8D00578BA2C3}" type="datetimeFigureOut">
               <a:rPr lang="en-US" dirty="0"/>
               <a:pPr/>
-              <a:t>12/21/2018</a:t>
+              <a:t>12/24/2018</a:t>
             </a:fld>
             <a:endParaRPr lang="en-US" dirty="0"/>
           </a:p>
@@ -874,7 +879,7 @@
             <a:fld id="{5586B75A-687E-405C-8A0B-8D00578BA2C3}" type="datetimeFigureOut">
               <a:rPr lang="en-US" dirty="0"/>
               <a:pPr/>
-              <a:t>12/21/2018</a:t>
+              <a:t>12/24/2018</a:t>
             </a:fld>
             <a:endParaRPr lang="en-US" dirty="0"/>
           </a:p>
@@ -1129,7 +1134,7 @@
             <a:fld id="{5586B75A-687E-405C-8A0B-8D00578BA2C3}" type="datetimeFigureOut">
               <a:rPr lang="en-US" dirty="0"/>
               <a:pPr/>
-              <a:t>12/21/2018</a:t>
+              <a:t>12/24/2018</a:t>
             </a:fld>
             <a:endParaRPr lang="en-US" dirty="0"/>
           </a:p>
@@ -1414,7 +1419,7 @@
             <a:fld id="{5586B75A-687E-405C-8A0B-8D00578BA2C3}" type="datetimeFigureOut">
               <a:rPr lang="en-US" dirty="0"/>
               <a:pPr/>
-              <a:t>12/21/2018</a:t>
+              <a:t>12/24/2018</a:t>
             </a:fld>
             <a:endParaRPr lang="en-US" dirty="0"/>
           </a:p>
@@ -1853,7 +1858,7 @@
             <a:fld id="{5586B75A-687E-405C-8A0B-8D00578BA2C3}" type="datetimeFigureOut">
               <a:rPr lang="en-US" dirty="0"/>
               <a:pPr/>
-              <a:t>12/21/2018</a:t>
+              <a:t>12/24/2018</a:t>
             </a:fld>
             <a:endParaRPr lang="en-US" dirty="0"/>
           </a:p>
@@ -1968,7 +1973,7 @@
             <a:fld id="{5586B75A-687E-405C-8A0B-8D00578BA2C3}" type="datetimeFigureOut">
               <a:rPr lang="en-US" dirty="0"/>
               <a:pPr/>
-              <a:t>12/21/2018</a:t>
+              <a:t>12/24/2018</a:t>
             </a:fld>
             <a:endParaRPr lang="en-US" dirty="0"/>
           </a:p>
@@ -2060,7 +2065,7 @@
             <a:fld id="{5586B75A-687E-405C-8A0B-8D00578BA2C3}" type="datetimeFigureOut">
               <a:rPr lang="en-US" dirty="0"/>
               <a:pPr/>
-              <a:t>12/21/2018</a:t>
+              <a:t>12/24/2018</a:t>
             </a:fld>
             <a:endParaRPr lang="en-US" dirty="0"/>
           </a:p>
@@ -2345,7 +2350,7 @@
             <a:fld id="{5586B75A-687E-405C-8A0B-8D00578BA2C3}" type="datetimeFigureOut">
               <a:rPr lang="en-US" dirty="0"/>
               <a:pPr/>
-              <a:t>12/21/2018</a:t>
+              <a:t>12/24/2018</a:t>
             </a:fld>
             <a:endParaRPr lang="en-US" dirty="0"/>
           </a:p>
@@ -2615,7 +2620,7 @@
             <a:fld id="{5586B75A-687E-405C-8A0B-8D00578BA2C3}" type="datetimeFigureOut">
               <a:rPr lang="en-US" dirty="0"/>
               <a:pPr/>
-              <a:t>12/21/2018</a:t>
+              <a:t>12/24/2018</a:t>
             </a:fld>
             <a:endParaRPr lang="en-US" dirty="0"/>
           </a:p>
@@ -2909,7 +2914,7 @@
             <a:fld id="{5586B75A-687E-405C-8A0B-8D00578BA2C3}" type="datetimeFigureOut">
               <a:rPr lang="en-US" dirty="0"/>
               <a:pPr/>
-              <a:t>12/21/2018</a:t>
+              <a:t>12/24/2018</a:t>
             </a:fld>
             <a:endParaRPr lang="en-US" dirty="0"/>
           </a:p>
@@ -3829,13 +3834,7 @@
               <a:rPr lang="en-US" altLang="zh-TW" dirty="0">
                 <a:latin typeface="+mj-ea"/>
               </a:rPr>
-              <a:t>Graph </a:t>
-            </a:r>
-            <a:r>
-              <a:rPr lang="en-US" altLang="zh-TW" dirty="0">
-                <a:latin typeface="+mj-ea"/>
-              </a:rPr>
-              <a:t>2</a:t>
+              <a:t>Graph 2</a:t>
             </a:r>
             <a:endParaRPr lang="zh-TW" altLang="en-US" dirty="0">
               <a:latin typeface="+mj-ea"/>
@@ -4325,13 +4324,7 @@
               <a:rPr lang="en-US" altLang="zh-TW" dirty="0">
                 <a:latin typeface="+mj-ea"/>
               </a:rPr>
-              <a:t>Graph </a:t>
-            </a:r>
-            <a:r>
-              <a:rPr lang="en-US" altLang="zh-TW" dirty="0">
-                <a:latin typeface="+mj-ea"/>
-              </a:rPr>
-              <a:t>3</a:t>
+              <a:t>Graph 3</a:t>
             </a:r>
             <a:endParaRPr lang="zh-TW" altLang="en-US" dirty="0">
               <a:latin typeface="+mj-ea"/>
@@ -6545,13 +6538,7 @@
               <a:rPr lang="en-US" altLang="zh-TW" dirty="0">
                 <a:latin typeface="+mj-ea"/>
               </a:rPr>
-              <a:t>Graph </a:t>
-            </a:r>
-            <a:r>
-              <a:rPr lang="en-US" altLang="zh-TW" dirty="0">
-                <a:latin typeface="+mj-ea"/>
-              </a:rPr>
-              <a:t>8</a:t>
+              <a:t>Graph 8</a:t>
             </a:r>
             <a:endParaRPr lang="en-US" altLang="zh-TW" dirty="0" smtClean="0">
               <a:latin typeface="+mj-ea"/>
@@ -7697,13 +7684,7 @@
               <a:rPr lang="en-US" altLang="zh-TW" dirty="0">
                 <a:latin typeface="+mj-ea"/>
               </a:rPr>
-              <a:t>Graph </a:t>
-            </a:r>
-            <a:r>
-              <a:rPr lang="en-US" altLang="zh-TW" dirty="0">
-                <a:latin typeface="+mj-ea"/>
-              </a:rPr>
-              <a:t>2</a:t>
+              <a:t>Graph 2</a:t>
             </a:r>
             <a:endParaRPr lang="zh-TW" altLang="en-US" dirty="0">
               <a:latin typeface="+mj-ea"/>
@@ -8969,13 +8950,7 @@
               <a:rPr lang="en-US" altLang="zh-TW" dirty="0">
                 <a:latin typeface="+mj-ea"/>
               </a:rPr>
-              <a:t>Graph </a:t>
-            </a:r>
-            <a:r>
-              <a:rPr lang="en-US" altLang="zh-TW" dirty="0">
-                <a:latin typeface="+mj-ea"/>
-              </a:rPr>
-              <a:t>3</a:t>
+              <a:t>Graph 3</a:t>
             </a:r>
             <a:endParaRPr lang="zh-TW" altLang="en-US" dirty="0">
               <a:latin typeface="+mj-ea"/>
@@ -10427,13 +10402,7 @@
               <a:rPr lang="en-US" altLang="zh-TW" dirty="0">
                 <a:latin typeface="+mj-ea"/>
               </a:rPr>
-              <a:t>Graph </a:t>
-            </a:r>
-            <a:r>
-              <a:rPr lang="en-US" altLang="zh-TW" dirty="0">
-                <a:latin typeface="+mj-ea"/>
-              </a:rPr>
-              <a:t>4</a:t>
+              <a:t>Graph 4</a:t>
             </a:r>
             <a:endParaRPr lang="zh-TW" altLang="en-US" dirty="0">
               <a:latin typeface="+mj-ea"/>
@@ -10467,13 +10436,7 @@
               <a:rPr lang="en-US" altLang="zh-TW" dirty="0">
                 <a:latin typeface="+mj-ea"/>
               </a:rPr>
-              <a:t>Graph </a:t>
-            </a:r>
-            <a:r>
-              <a:rPr lang="en-US" altLang="zh-TW" dirty="0">
-                <a:latin typeface="+mj-ea"/>
-              </a:rPr>
-              <a:t>3</a:t>
+              <a:t>Graph 3</a:t>
             </a:r>
             <a:endParaRPr lang="zh-TW" altLang="en-US" dirty="0">
               <a:latin typeface="+mj-ea"/>
@@ -12848,7 +12811,7 @@
                               <a:rPr lang="en-US" altLang="zh-TW" sz="2800" i="1">
                                 <a:latin typeface="Cambria Math" panose="02040503050406030204" pitchFamily="18" charset="0"/>
                               </a:rPr>
-                              <m:t>1</m:t>
+                              <m:t>2</m:t>
                             </m:r>
                           </m:sub>
                         </m:sSub>
